--- a/figures/PCA23.pptx
+++ b/figures/PCA23.pptx
@@ -5,7 +5,7 @@
     <p:sldMasterId id="2147483648" r:id="rId1"/>
   </p:sldMasterIdLst>
   <p:sldIdLst>
-    <p:sldId id="1476164611" r:id="rId6"/>
+    <p:sldId id="934124037" r:id="rId6"/>
   </p:sldIdLst>
   <p:sldSz cx="12192000" cy="6858000"/>
   <p:notesSz cx="6858000" cy="9144000"/>

--- a/figures/PCA23.pptx
+++ b/figures/PCA23.pptx
@@ -1,11 +1,11 @@
 
 <file path=ppt/presentation.xml><?xml version="1.0" encoding="utf-8"?>
-<p:presentation xmlns:a="http://schemas.openxmlformats.org/drawingml/2006/main" xmlns:r="http://schemas.openxmlformats.org/officeDocument/2006/relationships" xmlns:p="http://schemas.openxmlformats.org/presentationml/2006/main" xmlns:mc="http://schemas.openxmlformats.org/markup-compatibility/2006" xmlns:c="http://schemas.openxmlformats.org/drawingml/2006/chart" xmlns:ns6="http://schemas.openxmlformats.org/drawingml/2006/chartDrawing" xmlns:dgm="http://schemas.openxmlformats.org/drawingml/2006/diagram" xmlns:pic="http://schemas.openxmlformats.org/drawingml/2006/picture" xmlns:wp="http://schemas.openxmlformats.org/drawingml/2006/wordprocessingDrawing" xmlns:xdr="http://schemas.openxmlformats.org/drawingml/2006/spreadsheetDrawing" xmlns:ns11="http://schemas.openxmlformats.org/drawingml/2006/compatibility" xmlns:ns12="http://schemas.openxmlformats.org/drawingml/2006/lockedCanvas" saveSubsetFonts="true">
+<p:presentation xmlns:p="http://schemas.openxmlformats.org/presentationml/2006/main" xmlns:r="http://schemas.openxmlformats.org/officeDocument/2006/relationships" xmlns:a="http://schemas.openxmlformats.org/drawingml/2006/main" xmlns:mc="http://schemas.openxmlformats.org/markup-compatibility/2006" xmlns:c="http://schemas.openxmlformats.org/drawingml/2006/chart" xmlns:ns6="http://schemas.openxmlformats.org/drawingml/2006/chartDrawing" xmlns:dgm="http://schemas.openxmlformats.org/drawingml/2006/diagram" xmlns:pic="http://schemas.openxmlformats.org/drawingml/2006/picture" xmlns:wp="http://schemas.openxmlformats.org/drawingml/2006/wordprocessingDrawing" xmlns:xdr="http://schemas.openxmlformats.org/drawingml/2006/spreadsheetDrawing" xmlns:ns11="http://schemas.openxmlformats.org/drawingml/2006/compatibility" xmlns:ns12="http://schemas.openxmlformats.org/drawingml/2006/lockedCanvas" saveSubsetFonts="true">
   <p:sldMasterIdLst>
     <p:sldMasterId id="2147483648" r:id="rId1"/>
   </p:sldMasterIdLst>
   <p:sldIdLst>
-    <p:sldId id="934124037" r:id="rId6"/>
+    <p:sldId id="415418744" r:id="rId6"/>
   </p:sldIdLst>
   <p:sldSz cx="12192000" cy="6858000"/>
   <p:notesSz cx="6858000" cy="9144000"/>
@@ -113,7 +113,7 @@
 </file>
 
 <file path=ppt/slideLayouts/slideLayout1.xml><?xml version="1.0" encoding="utf-8"?>
-<p:sldLayout xmlns:a="http://schemas.openxmlformats.org/drawingml/2006/main" xmlns:r="http://schemas.openxmlformats.org/officeDocument/2006/relationships" xmlns:p="http://schemas.openxmlformats.org/presentationml/2006/main" xmlns:mc="http://schemas.openxmlformats.org/markup-compatibility/2006" xmlns:c="http://schemas.openxmlformats.org/drawingml/2006/chart" xmlns:ns6="http://schemas.openxmlformats.org/drawingml/2006/chartDrawing" xmlns:dgm="http://schemas.openxmlformats.org/drawingml/2006/diagram" xmlns:pic="http://schemas.openxmlformats.org/drawingml/2006/picture" xmlns:wp="http://schemas.openxmlformats.org/drawingml/2006/wordprocessingDrawing" xmlns:xdr="http://schemas.openxmlformats.org/drawingml/2006/spreadsheetDrawing" xmlns:ns11="http://schemas.openxmlformats.org/drawingml/2006/compatibility" xmlns:ns12="http://schemas.openxmlformats.org/drawingml/2006/lockedCanvas" type="title" preserve="true">
+<p:sldLayout xmlns:p="http://schemas.openxmlformats.org/presentationml/2006/main" xmlns:r="http://schemas.openxmlformats.org/officeDocument/2006/relationships" xmlns:a="http://schemas.openxmlformats.org/drawingml/2006/main" xmlns:mc="http://schemas.openxmlformats.org/markup-compatibility/2006" xmlns:c="http://schemas.openxmlformats.org/drawingml/2006/chart" xmlns:ns6="http://schemas.openxmlformats.org/drawingml/2006/chartDrawing" xmlns:dgm="http://schemas.openxmlformats.org/drawingml/2006/diagram" xmlns:pic="http://schemas.openxmlformats.org/drawingml/2006/picture" xmlns:wp="http://schemas.openxmlformats.org/drawingml/2006/wordprocessingDrawing" xmlns:xdr="http://schemas.openxmlformats.org/drawingml/2006/spreadsheetDrawing" xmlns:ns11="http://schemas.openxmlformats.org/drawingml/2006/compatibility" xmlns:ns12="http://schemas.openxmlformats.org/drawingml/2006/lockedCanvas" type="title" preserve="true">
   <p:cSld name="Title Slide">
     <p:spTree>
       <p:nvGrpSpPr>
@@ -312,7 +312,7 @@
 </file>
 
 <file path=ppt/slideLayouts/slideLayout10.xml><?xml version="1.0" encoding="utf-8"?>
-<p:sldLayout xmlns:a="http://schemas.openxmlformats.org/drawingml/2006/main" xmlns:r="http://schemas.openxmlformats.org/officeDocument/2006/relationships" xmlns:p="http://schemas.openxmlformats.org/presentationml/2006/main" xmlns:mc="http://schemas.openxmlformats.org/markup-compatibility/2006" xmlns:c="http://schemas.openxmlformats.org/drawingml/2006/chart" xmlns:ns6="http://schemas.openxmlformats.org/drawingml/2006/chartDrawing" xmlns:dgm="http://schemas.openxmlformats.org/drawingml/2006/diagram" xmlns:pic="http://schemas.openxmlformats.org/drawingml/2006/picture" xmlns:wp="http://schemas.openxmlformats.org/drawingml/2006/wordprocessingDrawing" xmlns:xdr="http://schemas.openxmlformats.org/drawingml/2006/spreadsheetDrawing" xmlns:ns11="http://schemas.openxmlformats.org/drawingml/2006/compatibility" xmlns:ns12="http://schemas.openxmlformats.org/drawingml/2006/lockedCanvas" type="vertTitleAndTx" preserve="true">
+<p:sldLayout xmlns:p="http://schemas.openxmlformats.org/presentationml/2006/main" xmlns:r="http://schemas.openxmlformats.org/officeDocument/2006/relationships" xmlns:a="http://schemas.openxmlformats.org/drawingml/2006/main" xmlns:mc="http://schemas.openxmlformats.org/markup-compatibility/2006" xmlns:c="http://schemas.openxmlformats.org/drawingml/2006/chart" xmlns:ns6="http://schemas.openxmlformats.org/drawingml/2006/chartDrawing" xmlns:dgm="http://schemas.openxmlformats.org/drawingml/2006/diagram" xmlns:pic="http://schemas.openxmlformats.org/drawingml/2006/picture" xmlns:wp="http://schemas.openxmlformats.org/drawingml/2006/wordprocessingDrawing" xmlns:xdr="http://schemas.openxmlformats.org/drawingml/2006/spreadsheetDrawing" xmlns:ns11="http://schemas.openxmlformats.org/drawingml/2006/compatibility" xmlns:ns12="http://schemas.openxmlformats.org/drawingml/2006/lockedCanvas" type="vertTitleAndTx" preserve="true">
   <p:cSld name="Vertical Title and Text">
     <p:spTree>
       <p:nvGrpSpPr>
@@ -499,7 +499,7 @@
 </file>
 
 <file path=ppt/slideLayouts/slideLayout2.xml><?xml version="1.0" encoding="utf-8"?>
-<p:sldLayout xmlns:a="http://schemas.openxmlformats.org/drawingml/2006/main" xmlns:r="http://schemas.openxmlformats.org/officeDocument/2006/relationships" xmlns:p="http://schemas.openxmlformats.org/presentationml/2006/main" xmlns:mc="http://schemas.openxmlformats.org/markup-compatibility/2006" xmlns:c="http://schemas.openxmlformats.org/drawingml/2006/chart" xmlns:ns6="http://schemas.openxmlformats.org/drawingml/2006/chartDrawing" xmlns:dgm="http://schemas.openxmlformats.org/drawingml/2006/diagram" xmlns:pic="http://schemas.openxmlformats.org/drawingml/2006/picture" xmlns:wp="http://schemas.openxmlformats.org/drawingml/2006/wordprocessingDrawing" xmlns:xdr="http://schemas.openxmlformats.org/drawingml/2006/spreadsheetDrawing" xmlns:ns11="http://schemas.openxmlformats.org/drawingml/2006/compatibility" xmlns:ns12="http://schemas.openxmlformats.org/drawingml/2006/lockedCanvas" type="obj" preserve="true">
+<p:sldLayout xmlns:p="http://schemas.openxmlformats.org/presentationml/2006/main" xmlns:r="http://schemas.openxmlformats.org/officeDocument/2006/relationships" xmlns:a="http://schemas.openxmlformats.org/drawingml/2006/main" xmlns:mc="http://schemas.openxmlformats.org/markup-compatibility/2006" xmlns:c="http://schemas.openxmlformats.org/drawingml/2006/chart" xmlns:ns6="http://schemas.openxmlformats.org/drawingml/2006/chartDrawing" xmlns:dgm="http://schemas.openxmlformats.org/drawingml/2006/diagram" xmlns:pic="http://schemas.openxmlformats.org/drawingml/2006/picture" xmlns:wp="http://schemas.openxmlformats.org/drawingml/2006/wordprocessingDrawing" xmlns:xdr="http://schemas.openxmlformats.org/drawingml/2006/spreadsheetDrawing" xmlns:ns11="http://schemas.openxmlformats.org/drawingml/2006/compatibility" xmlns:ns12="http://schemas.openxmlformats.org/drawingml/2006/lockedCanvas" type="obj" preserve="true">
   <p:cSld name="Title and Content">
     <p:spTree>
       <p:nvGrpSpPr>
@@ -681,7 +681,7 @@
 </file>
 
 <file path=ppt/slideLayouts/slideLayout3.xml><?xml version="1.0" encoding="utf-8"?>
-<p:sldLayout xmlns:a="http://schemas.openxmlformats.org/drawingml/2006/main" xmlns:r="http://schemas.openxmlformats.org/officeDocument/2006/relationships" xmlns:p="http://schemas.openxmlformats.org/presentationml/2006/main" xmlns:mc="http://schemas.openxmlformats.org/markup-compatibility/2006" xmlns:c="http://schemas.openxmlformats.org/drawingml/2006/chart" xmlns:ns6="http://schemas.openxmlformats.org/drawingml/2006/chartDrawing" xmlns:dgm="http://schemas.openxmlformats.org/drawingml/2006/diagram" xmlns:pic="http://schemas.openxmlformats.org/drawingml/2006/picture" xmlns:wp="http://schemas.openxmlformats.org/drawingml/2006/wordprocessingDrawing" xmlns:xdr="http://schemas.openxmlformats.org/drawingml/2006/spreadsheetDrawing" xmlns:ns11="http://schemas.openxmlformats.org/drawingml/2006/compatibility" xmlns:ns12="http://schemas.openxmlformats.org/drawingml/2006/lockedCanvas" type="secHead" preserve="true">
+<p:sldLayout xmlns:p="http://schemas.openxmlformats.org/presentationml/2006/main" xmlns:r="http://schemas.openxmlformats.org/officeDocument/2006/relationships" xmlns:a="http://schemas.openxmlformats.org/drawingml/2006/main" xmlns:mc="http://schemas.openxmlformats.org/markup-compatibility/2006" xmlns:c="http://schemas.openxmlformats.org/drawingml/2006/chart" xmlns:ns6="http://schemas.openxmlformats.org/drawingml/2006/chartDrawing" xmlns:dgm="http://schemas.openxmlformats.org/drawingml/2006/diagram" xmlns:pic="http://schemas.openxmlformats.org/drawingml/2006/picture" xmlns:wp="http://schemas.openxmlformats.org/drawingml/2006/wordprocessingDrawing" xmlns:xdr="http://schemas.openxmlformats.org/drawingml/2006/spreadsheetDrawing" xmlns:ns11="http://schemas.openxmlformats.org/drawingml/2006/compatibility" xmlns:ns12="http://schemas.openxmlformats.org/drawingml/2006/lockedCanvas" type="secHead" preserve="true">
   <p:cSld name="Section Header">
     <p:spTree>
       <p:nvGrpSpPr>
@@ -934,7 +934,7 @@
 </file>
 
 <file path=ppt/slideLayouts/slideLayout4.xml><?xml version="1.0" encoding="utf-8"?>
-<p:sldLayout xmlns:a="http://schemas.openxmlformats.org/drawingml/2006/main" xmlns:r="http://schemas.openxmlformats.org/officeDocument/2006/relationships" xmlns:p="http://schemas.openxmlformats.org/presentationml/2006/main" xmlns:mc="http://schemas.openxmlformats.org/markup-compatibility/2006" xmlns:c="http://schemas.openxmlformats.org/drawingml/2006/chart" xmlns:ns6="http://schemas.openxmlformats.org/drawingml/2006/chartDrawing" xmlns:dgm="http://schemas.openxmlformats.org/drawingml/2006/diagram" xmlns:pic="http://schemas.openxmlformats.org/drawingml/2006/picture" xmlns:wp="http://schemas.openxmlformats.org/drawingml/2006/wordprocessingDrawing" xmlns:xdr="http://schemas.openxmlformats.org/drawingml/2006/spreadsheetDrawing" xmlns:ns11="http://schemas.openxmlformats.org/drawingml/2006/compatibility" xmlns:ns12="http://schemas.openxmlformats.org/drawingml/2006/lockedCanvas" type="twoObj" preserve="true">
+<p:sldLayout xmlns:p="http://schemas.openxmlformats.org/presentationml/2006/main" xmlns:r="http://schemas.openxmlformats.org/officeDocument/2006/relationships" xmlns:a="http://schemas.openxmlformats.org/drawingml/2006/main" xmlns:mc="http://schemas.openxmlformats.org/markup-compatibility/2006" xmlns:c="http://schemas.openxmlformats.org/drawingml/2006/chart" xmlns:ns6="http://schemas.openxmlformats.org/drawingml/2006/chartDrawing" xmlns:dgm="http://schemas.openxmlformats.org/drawingml/2006/diagram" xmlns:pic="http://schemas.openxmlformats.org/drawingml/2006/picture" xmlns:wp="http://schemas.openxmlformats.org/drawingml/2006/wordprocessingDrawing" xmlns:xdr="http://schemas.openxmlformats.org/drawingml/2006/spreadsheetDrawing" xmlns:ns11="http://schemas.openxmlformats.org/drawingml/2006/compatibility" xmlns:ns12="http://schemas.openxmlformats.org/drawingml/2006/lockedCanvas" type="twoObj" preserve="true">
   <p:cSld name="Two Content">
     <p:spTree>
       <p:nvGrpSpPr>
@@ -1173,7 +1173,7 @@
 </file>
 
 <file path=ppt/slideLayouts/slideLayout5.xml><?xml version="1.0" encoding="utf-8"?>
-<p:sldLayout xmlns:a="http://schemas.openxmlformats.org/drawingml/2006/main" xmlns:r="http://schemas.openxmlformats.org/officeDocument/2006/relationships" xmlns:p="http://schemas.openxmlformats.org/presentationml/2006/main" xmlns:mc="http://schemas.openxmlformats.org/markup-compatibility/2006" xmlns:c="http://schemas.openxmlformats.org/drawingml/2006/chart" xmlns:ns6="http://schemas.openxmlformats.org/drawingml/2006/chartDrawing" xmlns:dgm="http://schemas.openxmlformats.org/drawingml/2006/diagram" xmlns:pic="http://schemas.openxmlformats.org/drawingml/2006/picture" xmlns:wp="http://schemas.openxmlformats.org/drawingml/2006/wordprocessingDrawing" xmlns:xdr="http://schemas.openxmlformats.org/drawingml/2006/spreadsheetDrawing" xmlns:ns11="http://schemas.openxmlformats.org/drawingml/2006/compatibility" xmlns:ns12="http://schemas.openxmlformats.org/drawingml/2006/lockedCanvas" type="twoTxTwoObj" preserve="true">
+<p:sldLayout xmlns:p="http://schemas.openxmlformats.org/presentationml/2006/main" xmlns:r="http://schemas.openxmlformats.org/officeDocument/2006/relationships" xmlns:a="http://schemas.openxmlformats.org/drawingml/2006/main" xmlns:mc="http://schemas.openxmlformats.org/markup-compatibility/2006" xmlns:c="http://schemas.openxmlformats.org/drawingml/2006/chart" xmlns:ns6="http://schemas.openxmlformats.org/drawingml/2006/chartDrawing" xmlns:dgm="http://schemas.openxmlformats.org/drawingml/2006/diagram" xmlns:pic="http://schemas.openxmlformats.org/drawingml/2006/picture" xmlns:wp="http://schemas.openxmlformats.org/drawingml/2006/wordprocessingDrawing" xmlns:xdr="http://schemas.openxmlformats.org/drawingml/2006/spreadsheetDrawing" xmlns:ns11="http://schemas.openxmlformats.org/drawingml/2006/compatibility" xmlns:ns12="http://schemas.openxmlformats.org/drawingml/2006/lockedCanvas" type="twoTxTwoObj" preserve="true">
   <p:cSld name="Comparison">
     <p:spTree>
       <p:nvGrpSpPr>
@@ -1528,7 +1528,7 @@
 </file>
 
 <file path=ppt/slideLayouts/slideLayout6.xml><?xml version="1.0" encoding="utf-8"?>
-<p:sldLayout xmlns:a="http://schemas.openxmlformats.org/drawingml/2006/main" xmlns:r="http://schemas.openxmlformats.org/officeDocument/2006/relationships" xmlns:p="http://schemas.openxmlformats.org/presentationml/2006/main" xmlns:mc="http://schemas.openxmlformats.org/markup-compatibility/2006" xmlns:c="http://schemas.openxmlformats.org/drawingml/2006/chart" xmlns:ns6="http://schemas.openxmlformats.org/drawingml/2006/chartDrawing" xmlns:dgm="http://schemas.openxmlformats.org/drawingml/2006/diagram" xmlns:pic="http://schemas.openxmlformats.org/drawingml/2006/picture" xmlns:wp="http://schemas.openxmlformats.org/drawingml/2006/wordprocessingDrawing" xmlns:xdr="http://schemas.openxmlformats.org/drawingml/2006/spreadsheetDrawing" xmlns:ns11="http://schemas.openxmlformats.org/drawingml/2006/compatibility" xmlns:ns12="http://schemas.openxmlformats.org/drawingml/2006/lockedCanvas" type="titleOnly" preserve="true">
+<p:sldLayout xmlns:p="http://schemas.openxmlformats.org/presentationml/2006/main" xmlns:r="http://schemas.openxmlformats.org/officeDocument/2006/relationships" xmlns:a="http://schemas.openxmlformats.org/drawingml/2006/main" xmlns:mc="http://schemas.openxmlformats.org/markup-compatibility/2006" xmlns:c="http://schemas.openxmlformats.org/drawingml/2006/chart" xmlns:ns6="http://schemas.openxmlformats.org/drawingml/2006/chartDrawing" xmlns:dgm="http://schemas.openxmlformats.org/drawingml/2006/diagram" xmlns:pic="http://schemas.openxmlformats.org/drawingml/2006/picture" xmlns:wp="http://schemas.openxmlformats.org/drawingml/2006/wordprocessingDrawing" xmlns:xdr="http://schemas.openxmlformats.org/drawingml/2006/spreadsheetDrawing" xmlns:ns11="http://schemas.openxmlformats.org/drawingml/2006/compatibility" xmlns:ns12="http://schemas.openxmlformats.org/drawingml/2006/lockedCanvas" type="titleOnly" preserve="true">
   <p:cSld name="Title Only">
     <p:spTree>
       <p:nvGrpSpPr>
@@ -1653,7 +1653,7 @@
 </file>
 
 <file path=ppt/slideLayouts/slideLayout7.xml><?xml version="1.0" encoding="utf-8"?>
-<p:sldLayout xmlns:a="http://schemas.openxmlformats.org/drawingml/2006/main" xmlns:r="http://schemas.openxmlformats.org/officeDocument/2006/relationships" xmlns:p="http://schemas.openxmlformats.org/presentationml/2006/main" xmlns:mc="http://schemas.openxmlformats.org/markup-compatibility/2006" xmlns:c="http://schemas.openxmlformats.org/drawingml/2006/chart" xmlns:ns6="http://schemas.openxmlformats.org/drawingml/2006/chartDrawing" xmlns:dgm="http://schemas.openxmlformats.org/drawingml/2006/diagram" xmlns:pic="http://schemas.openxmlformats.org/drawingml/2006/picture" xmlns:wp="http://schemas.openxmlformats.org/drawingml/2006/wordprocessingDrawing" xmlns:xdr="http://schemas.openxmlformats.org/drawingml/2006/spreadsheetDrawing" xmlns:ns11="http://schemas.openxmlformats.org/drawingml/2006/compatibility" xmlns:ns12="http://schemas.openxmlformats.org/drawingml/2006/lockedCanvas" type="blank" preserve="true">
+<p:sldLayout xmlns:p="http://schemas.openxmlformats.org/presentationml/2006/main" xmlns:r="http://schemas.openxmlformats.org/officeDocument/2006/relationships" xmlns:a="http://schemas.openxmlformats.org/drawingml/2006/main" xmlns:mc="http://schemas.openxmlformats.org/markup-compatibility/2006" xmlns:c="http://schemas.openxmlformats.org/drawingml/2006/chart" xmlns:ns6="http://schemas.openxmlformats.org/drawingml/2006/chartDrawing" xmlns:dgm="http://schemas.openxmlformats.org/drawingml/2006/diagram" xmlns:pic="http://schemas.openxmlformats.org/drawingml/2006/picture" xmlns:wp="http://schemas.openxmlformats.org/drawingml/2006/wordprocessingDrawing" xmlns:xdr="http://schemas.openxmlformats.org/drawingml/2006/spreadsheetDrawing" xmlns:ns11="http://schemas.openxmlformats.org/drawingml/2006/compatibility" xmlns:ns12="http://schemas.openxmlformats.org/drawingml/2006/lockedCanvas" type="blank" preserve="true">
   <p:cSld name="Blank">
     <p:spTree>
       <p:nvGrpSpPr>
@@ -1755,7 +1755,7 @@
 </file>
 
 <file path=ppt/slideLayouts/slideLayout8.xml><?xml version="1.0" encoding="utf-8"?>
-<p:sldLayout xmlns:a="http://schemas.openxmlformats.org/drawingml/2006/main" xmlns:r="http://schemas.openxmlformats.org/officeDocument/2006/relationships" xmlns:p="http://schemas.openxmlformats.org/presentationml/2006/main" xmlns:mc="http://schemas.openxmlformats.org/markup-compatibility/2006" xmlns:c="http://schemas.openxmlformats.org/drawingml/2006/chart" xmlns:ns6="http://schemas.openxmlformats.org/drawingml/2006/chartDrawing" xmlns:dgm="http://schemas.openxmlformats.org/drawingml/2006/diagram" xmlns:pic="http://schemas.openxmlformats.org/drawingml/2006/picture" xmlns:wp="http://schemas.openxmlformats.org/drawingml/2006/wordprocessingDrawing" xmlns:xdr="http://schemas.openxmlformats.org/drawingml/2006/spreadsheetDrawing" xmlns:ns11="http://schemas.openxmlformats.org/drawingml/2006/compatibility" xmlns:ns12="http://schemas.openxmlformats.org/drawingml/2006/lockedCanvas" type="objTx" preserve="true">
+<p:sldLayout xmlns:p="http://schemas.openxmlformats.org/presentationml/2006/main" xmlns:r="http://schemas.openxmlformats.org/officeDocument/2006/relationships" xmlns:a="http://schemas.openxmlformats.org/drawingml/2006/main" xmlns:mc="http://schemas.openxmlformats.org/markup-compatibility/2006" xmlns:c="http://schemas.openxmlformats.org/drawingml/2006/chart" xmlns:ns6="http://schemas.openxmlformats.org/drawingml/2006/chartDrawing" xmlns:dgm="http://schemas.openxmlformats.org/drawingml/2006/diagram" xmlns:pic="http://schemas.openxmlformats.org/drawingml/2006/picture" xmlns:wp="http://schemas.openxmlformats.org/drawingml/2006/wordprocessingDrawing" xmlns:xdr="http://schemas.openxmlformats.org/drawingml/2006/spreadsheetDrawing" xmlns:ns11="http://schemas.openxmlformats.org/drawingml/2006/compatibility" xmlns:ns12="http://schemas.openxmlformats.org/drawingml/2006/lockedCanvas" type="objTx" preserve="true">
   <p:cSld name="Content with Caption">
     <p:spTree>
       <p:nvGrpSpPr>
@@ -2039,7 +2039,7 @@
 </file>
 
 <file path=ppt/slideLayouts/slideLayout9.xml><?xml version="1.0" encoding="utf-8"?>
-<p:sldLayout xmlns:a="http://schemas.openxmlformats.org/drawingml/2006/main" xmlns:r="http://schemas.openxmlformats.org/officeDocument/2006/relationships" xmlns:p="http://schemas.openxmlformats.org/presentationml/2006/main" xmlns:mc="http://schemas.openxmlformats.org/markup-compatibility/2006" xmlns:c="http://schemas.openxmlformats.org/drawingml/2006/chart" xmlns:ns6="http://schemas.openxmlformats.org/drawingml/2006/chartDrawing" xmlns:dgm="http://schemas.openxmlformats.org/drawingml/2006/diagram" xmlns:pic="http://schemas.openxmlformats.org/drawingml/2006/picture" xmlns:wp="http://schemas.openxmlformats.org/drawingml/2006/wordprocessingDrawing" xmlns:xdr="http://schemas.openxmlformats.org/drawingml/2006/spreadsheetDrawing" xmlns:ns11="http://schemas.openxmlformats.org/drawingml/2006/compatibility" xmlns:ns12="http://schemas.openxmlformats.org/drawingml/2006/lockedCanvas" type="vertTx" preserve="true">
+<p:sldLayout xmlns:p="http://schemas.openxmlformats.org/presentationml/2006/main" xmlns:r="http://schemas.openxmlformats.org/officeDocument/2006/relationships" xmlns:a="http://schemas.openxmlformats.org/drawingml/2006/main" xmlns:mc="http://schemas.openxmlformats.org/markup-compatibility/2006" xmlns:c="http://schemas.openxmlformats.org/drawingml/2006/chart" xmlns:ns6="http://schemas.openxmlformats.org/drawingml/2006/chartDrawing" xmlns:dgm="http://schemas.openxmlformats.org/drawingml/2006/diagram" xmlns:pic="http://schemas.openxmlformats.org/drawingml/2006/picture" xmlns:wp="http://schemas.openxmlformats.org/drawingml/2006/wordprocessingDrawing" xmlns:xdr="http://schemas.openxmlformats.org/drawingml/2006/spreadsheetDrawing" xmlns:ns11="http://schemas.openxmlformats.org/drawingml/2006/compatibility" xmlns:ns12="http://schemas.openxmlformats.org/drawingml/2006/lockedCanvas" type="vertTx" preserve="true">
   <p:cSld name="Title and Vertical Text">
     <p:spTree>
       <p:nvGrpSpPr>
@@ -2216,7 +2216,7 @@
 </file>
 
 <file path=ppt/slideMasters/slideMaster1.xml><?xml version="1.0" encoding="utf-8"?>
-<p:sldMaster xmlns:a="http://schemas.openxmlformats.org/drawingml/2006/main" xmlns:r="http://schemas.openxmlformats.org/officeDocument/2006/relationships" xmlns:p="http://schemas.openxmlformats.org/presentationml/2006/main" xmlns:mc="http://schemas.openxmlformats.org/markup-compatibility/2006" xmlns:c="http://schemas.openxmlformats.org/drawingml/2006/chart" xmlns:ns6="http://schemas.openxmlformats.org/drawingml/2006/chartDrawing" xmlns:dgm="http://schemas.openxmlformats.org/drawingml/2006/diagram" xmlns:pic="http://schemas.openxmlformats.org/drawingml/2006/picture" xmlns:wp="http://schemas.openxmlformats.org/drawingml/2006/wordprocessingDrawing" xmlns:xdr="http://schemas.openxmlformats.org/drawingml/2006/spreadsheetDrawing" xmlns:ns11="http://schemas.openxmlformats.org/drawingml/2006/compatibility" xmlns:ns12="http://schemas.openxmlformats.org/drawingml/2006/lockedCanvas">
+<p:sldMaster xmlns:p="http://schemas.openxmlformats.org/presentationml/2006/main" xmlns:r="http://schemas.openxmlformats.org/officeDocument/2006/relationships" xmlns:a="http://schemas.openxmlformats.org/drawingml/2006/main" xmlns:mc="http://schemas.openxmlformats.org/markup-compatibility/2006" xmlns:c="http://schemas.openxmlformats.org/drawingml/2006/chart" xmlns:ns6="http://schemas.openxmlformats.org/drawingml/2006/chartDrawing" xmlns:dgm="http://schemas.openxmlformats.org/drawingml/2006/diagram" xmlns:pic="http://schemas.openxmlformats.org/drawingml/2006/picture" xmlns:wp="http://schemas.openxmlformats.org/drawingml/2006/wordprocessingDrawing" xmlns:xdr="http://schemas.openxmlformats.org/drawingml/2006/spreadsheetDrawing" xmlns:ns11="http://schemas.openxmlformats.org/drawingml/2006/compatibility" xmlns:ns12="http://schemas.openxmlformats.org/drawingml/2006/lockedCanvas">
   <p:cSld>
     <p:bg>
       <p:bgRef idx="1001">
@@ -2762,7 +2762,7 @@
 </file>
 
 <file path=ppt/slides/slide1.xml><?xml version="1.0" encoding="utf-8"?>
-<p:sld xmlns:a="http://schemas.openxmlformats.org/drawingml/2006/main" xmlns:r="http://schemas.openxmlformats.org/officeDocument/2006/relationships" xmlns:p="http://schemas.openxmlformats.org/presentationml/2006/main" xmlns:mc="http://schemas.openxmlformats.org/markup-compatibility/2006" xmlns:c="http://schemas.openxmlformats.org/drawingml/2006/chart" xmlns:ns6="http://schemas.openxmlformats.org/drawingml/2006/chartDrawing" xmlns:dgm="http://schemas.openxmlformats.org/drawingml/2006/diagram" xmlns:pic="http://schemas.openxmlformats.org/drawingml/2006/picture" xmlns:wp="http://schemas.openxmlformats.org/drawingml/2006/wordprocessingDrawing" xmlns:xdr="http://schemas.openxmlformats.org/drawingml/2006/spreadsheetDrawing" xmlns:ns11="http://schemas.openxmlformats.org/drawingml/2006/compatibility" xmlns:ns12="http://schemas.openxmlformats.org/drawingml/2006/lockedCanvas">
+<p:sld xmlns:p="http://schemas.openxmlformats.org/presentationml/2006/main" xmlns:r="http://schemas.openxmlformats.org/officeDocument/2006/relationships" xmlns:a="http://schemas.openxmlformats.org/drawingml/2006/main" xmlns:mc="http://schemas.openxmlformats.org/markup-compatibility/2006" xmlns:c="http://schemas.openxmlformats.org/drawingml/2006/chart" xmlns:ns6="http://schemas.openxmlformats.org/drawingml/2006/chartDrawing" xmlns:dgm="http://schemas.openxmlformats.org/drawingml/2006/diagram" xmlns:pic="http://schemas.openxmlformats.org/drawingml/2006/picture" xmlns:wp="http://schemas.openxmlformats.org/drawingml/2006/wordprocessingDrawing" xmlns:xdr="http://schemas.openxmlformats.org/drawingml/2006/spreadsheetDrawing" xmlns:ns11="http://schemas.openxmlformats.org/drawingml/2006/compatibility" xmlns:ns12="http://schemas.openxmlformats.org/drawingml/2006/lockedCanvas">
   <p:cSld>
     <p:spTree>
       <p:nvGrpSpPr>
@@ -2800,18 +2800,18 @@
           </p:nvSpPr>
           <p:spPr>
             <a:xfrm>
-              <a:off x="2119798" y="5321999"/>
-              <a:ext cx="3003095" cy="0"/>
+              <a:off x="1819202" y="5321999"/>
+              <a:ext cx="3792069" cy="0"/>
             </a:xfrm>
             <a:custGeom>
               <a:avLst/>
               <a:pathLst>
-                <a:path w="3003095" h="0">
+                <a:path w="3792069" h="0">
                   <a:moveTo>
                     <a:pt x="0" y="0"/>
                   </a:moveTo>
                   <a:lnTo>
-                    <a:pt x="3003095" y="0"/>
+                    <a:pt x="3792069" y="0"/>
                   </a:lnTo>
                 </a:path>
               </a:pathLst>
@@ -2840,7 +2840,7 @@
           </p:nvSpPr>
           <p:spPr>
             <a:xfrm>
-              <a:off x="2119798" y="5321999"/>
+              <a:off x="1819202" y="5321999"/>
               <a:ext cx="0" cy="83820"/>
             </a:xfrm>
             <a:custGeom>
@@ -2880,7 +2880,7 @@
           </p:nvSpPr>
           <p:spPr>
             <a:xfrm>
-              <a:off x="2870572" y="5321999"/>
+              <a:off x="2360926" y="5321999"/>
               <a:ext cx="0" cy="83820"/>
             </a:xfrm>
             <a:custGeom>
@@ -2920,7 +2920,7 @@
           </p:nvSpPr>
           <p:spPr>
             <a:xfrm>
-              <a:off x="3621346" y="5321999"/>
+              <a:off x="2902650" y="5321999"/>
               <a:ext cx="0" cy="83820"/>
             </a:xfrm>
             <a:custGeom>
@@ -2960,7 +2960,7 @@
           </p:nvSpPr>
           <p:spPr>
             <a:xfrm>
-              <a:off x="4372119" y="5321999"/>
+              <a:off x="3444374" y="5321999"/>
               <a:ext cx="0" cy="83820"/>
             </a:xfrm>
             <a:custGeom>
@@ -3000,7 +3000,7 @@
           </p:nvSpPr>
           <p:spPr>
             <a:xfrm>
-              <a:off x="5122893" y="5321999"/>
+              <a:off x="3986098" y="5321999"/>
               <a:ext cx="0" cy="83820"/>
             </a:xfrm>
             <a:custGeom>
@@ -3034,13 +3034,271 @@
         </p:sp>
         <p:sp>
           <p:nvSpPr>
-            <p:cNvPr id="10" name="tx10"/>
+            <p:cNvPr id="10" name="pl10"/>
             <p:cNvSpPr/>
             <p:nvPr/>
           </p:nvSpPr>
           <p:spPr>
             <a:xfrm>
-              <a:off x="2009975" y="5532866"/>
+              <a:off x="4527822" y="5321999"/>
+              <a:ext cx="0" cy="83820"/>
+            </a:xfrm>
+            <a:custGeom>
+              <a:avLst/>
+              <a:pathLst>
+                <a:path w="0" h="83820">
+                  <a:moveTo>
+                    <a:pt x="0" y="0"/>
+                  </a:moveTo>
+                  <a:lnTo>
+                    <a:pt x="0" y="83820"/>
+                  </a:lnTo>
+                </a:path>
+              </a:pathLst>
+            </a:custGeom>
+            <a:ln w="9525" cap="rnd">
+              <a:solidFill>
+                <a:srgbClr val="000000">
+                  <a:alpha val="100000"/>
+                </a:srgbClr>
+              </a:solidFill>
+              <a:prstDash val="solid"/>
+              <a:round/>
+            </a:ln>
+          </p:spPr>
+          <p:txBody>
+            <a:bodyPr/>
+            <a:lstStyle/>
+            <a:p/>
+          </p:txBody>
+        </p:sp>
+        <p:sp>
+          <p:nvSpPr>
+            <p:cNvPr id="11" name="pl11"/>
+            <p:cNvSpPr/>
+            <p:nvPr/>
+          </p:nvSpPr>
+          <p:spPr>
+            <a:xfrm>
+              <a:off x="5069547" y="5321999"/>
+              <a:ext cx="0" cy="83820"/>
+            </a:xfrm>
+            <a:custGeom>
+              <a:avLst/>
+              <a:pathLst>
+                <a:path w="0" h="83820">
+                  <a:moveTo>
+                    <a:pt x="0" y="0"/>
+                  </a:moveTo>
+                  <a:lnTo>
+                    <a:pt x="0" y="83820"/>
+                  </a:lnTo>
+                </a:path>
+              </a:pathLst>
+            </a:custGeom>
+            <a:ln w="9525" cap="rnd">
+              <a:solidFill>
+                <a:srgbClr val="000000">
+                  <a:alpha val="100000"/>
+                </a:srgbClr>
+              </a:solidFill>
+              <a:prstDash val="solid"/>
+              <a:round/>
+            </a:ln>
+          </p:spPr>
+          <p:txBody>
+            <a:bodyPr/>
+            <a:lstStyle/>
+            <a:p/>
+          </p:txBody>
+        </p:sp>
+        <p:sp>
+          <p:nvSpPr>
+            <p:cNvPr id="12" name="pl12"/>
+            <p:cNvSpPr/>
+            <p:nvPr/>
+          </p:nvSpPr>
+          <p:spPr>
+            <a:xfrm>
+              <a:off x="5611271" y="5321999"/>
+              <a:ext cx="0" cy="83820"/>
+            </a:xfrm>
+            <a:custGeom>
+              <a:avLst/>
+              <a:pathLst>
+                <a:path w="0" h="83820">
+                  <a:moveTo>
+                    <a:pt x="0" y="0"/>
+                  </a:moveTo>
+                  <a:lnTo>
+                    <a:pt x="0" y="83820"/>
+                  </a:lnTo>
+                </a:path>
+              </a:pathLst>
+            </a:custGeom>
+            <a:ln w="9525" cap="rnd">
+              <a:solidFill>
+                <a:srgbClr val="000000">
+                  <a:alpha val="100000"/>
+                </a:srgbClr>
+              </a:solidFill>
+              <a:prstDash val="solid"/>
+              <a:round/>
+            </a:ln>
+          </p:spPr>
+          <p:txBody>
+            <a:bodyPr/>
+            <a:lstStyle/>
+            <a:p/>
+          </p:txBody>
+        </p:sp>
+        <p:sp>
+          <p:nvSpPr>
+            <p:cNvPr id="13" name="tx13"/>
+            <p:cNvSpPr/>
+            <p:nvPr/>
+          </p:nvSpPr>
+          <p:spPr>
+            <a:xfrm>
+              <a:off x="1709379" y="5532866"/>
+              <a:ext cx="219645" cy="90884"/>
+            </a:xfrm>
+            <a:prstGeom prst="rect">
+              <a:avLst/>
+            </a:prstGeom>
+            <a:noFill/>
+          </p:spPr>
+          <p:txBody>
+            <a:bodyPr wrap="none" lIns="0" tIns="0" rIns="0" bIns="0" anchor="ctr" anchorCtr="true"/>
+            <a:lstStyle/>
+            <a:p>
+              <a:pPr marL="0" marR="0" indent="0" algn="l">
+                <a:lnSpc>
+                  <a:spcPts val="1100"/>
+                </a:lnSpc>
+                <a:spcBef>
+                  <a:spcPts val="0"/>
+                </a:spcBef>
+                <a:spcAft>
+                  <a:spcPts val="0"/>
+                </a:spcAft>
+              </a:pPr>
+              <a:r>
+                <a:rPr sz="1100">
+                  <a:solidFill>
+                    <a:srgbClr val="000000">
+                      <a:alpha val="100000"/>
+                    </a:srgbClr>
+                  </a:solidFill>
+                  <a:latin typeface="Calibri"/>
+                  <a:cs typeface="Calibri"/>
+                </a:rPr>
+                <a:t>-0.8</a:t>
+              </a:r>
+            </a:p>
+          </p:txBody>
+        </p:sp>
+        <p:sp>
+          <p:nvSpPr>
+            <p:cNvPr id="14" name="tx14"/>
+            <p:cNvSpPr/>
+            <p:nvPr/>
+          </p:nvSpPr>
+          <p:spPr>
+            <a:xfrm>
+              <a:off x="2251103" y="5532866"/>
+              <a:ext cx="219645" cy="90884"/>
+            </a:xfrm>
+            <a:prstGeom prst="rect">
+              <a:avLst/>
+            </a:prstGeom>
+            <a:noFill/>
+          </p:spPr>
+          <p:txBody>
+            <a:bodyPr wrap="none" lIns="0" tIns="0" rIns="0" bIns="0" anchor="ctr" anchorCtr="true"/>
+            <a:lstStyle/>
+            <a:p>
+              <a:pPr marL="0" marR="0" indent="0" algn="l">
+                <a:lnSpc>
+                  <a:spcPts val="1100"/>
+                </a:lnSpc>
+                <a:spcBef>
+                  <a:spcPts val="0"/>
+                </a:spcBef>
+                <a:spcAft>
+                  <a:spcPts val="0"/>
+                </a:spcAft>
+              </a:pPr>
+              <a:r>
+                <a:rPr sz="1100">
+                  <a:solidFill>
+                    <a:srgbClr val="000000">
+                      <a:alpha val="100000"/>
+                    </a:srgbClr>
+                  </a:solidFill>
+                  <a:latin typeface="Calibri"/>
+                  <a:cs typeface="Calibri"/>
+                </a:rPr>
+                <a:t>-0.6</a:t>
+              </a:r>
+            </a:p>
+          </p:txBody>
+        </p:sp>
+        <p:sp>
+          <p:nvSpPr>
+            <p:cNvPr id="15" name="tx15"/>
+            <p:cNvSpPr/>
+            <p:nvPr/>
+          </p:nvSpPr>
+          <p:spPr>
+            <a:xfrm>
+              <a:off x="2792827" y="5532866"/>
+              <a:ext cx="219645" cy="90884"/>
+            </a:xfrm>
+            <a:prstGeom prst="rect">
+              <a:avLst/>
+            </a:prstGeom>
+            <a:noFill/>
+          </p:spPr>
+          <p:txBody>
+            <a:bodyPr wrap="none" lIns="0" tIns="0" rIns="0" bIns="0" anchor="ctr" anchorCtr="true"/>
+            <a:lstStyle/>
+            <a:p>
+              <a:pPr marL="0" marR="0" indent="0" algn="l">
+                <a:lnSpc>
+                  <a:spcPts val="1100"/>
+                </a:lnSpc>
+                <a:spcBef>
+                  <a:spcPts val="0"/>
+                </a:spcBef>
+                <a:spcAft>
+                  <a:spcPts val="0"/>
+                </a:spcAft>
+              </a:pPr>
+              <a:r>
+                <a:rPr sz="1100">
+                  <a:solidFill>
+                    <a:srgbClr val="000000">
+                      <a:alpha val="100000"/>
+                    </a:srgbClr>
+                  </a:solidFill>
+                  <a:latin typeface="Calibri"/>
+                  <a:cs typeface="Calibri"/>
+                </a:rPr>
+                <a:t>-0.4</a:t>
+              </a:r>
+            </a:p>
+          </p:txBody>
+        </p:sp>
+        <p:sp>
+          <p:nvSpPr>
+            <p:cNvPr id="16" name="tx16"/>
+            <p:cNvSpPr/>
+            <p:nvPr/>
+          </p:nvSpPr>
+          <p:spPr>
+            <a:xfrm>
+              <a:off x="3334551" y="5532866"/>
               <a:ext cx="219645" cy="90884"/>
             </a:xfrm>
             <a:prstGeom prst="rect">
@@ -3080,13 +3338,13 @@
         </p:sp>
         <p:sp>
           <p:nvSpPr>
-            <p:cNvPr id="11" name="tx11"/>
+            <p:cNvPr id="17" name="tx17"/>
             <p:cNvSpPr/>
             <p:nvPr/>
           </p:nvSpPr>
           <p:spPr>
             <a:xfrm>
-              <a:off x="2782134" y="5532866"/>
+              <a:off x="3897660" y="5532866"/>
               <a:ext cx="176876" cy="90884"/>
             </a:xfrm>
             <a:prstGeom prst="rect">
@@ -3126,13 +3384,13 @@
         </p:sp>
         <p:sp>
           <p:nvSpPr>
-            <p:cNvPr id="12" name="tx12"/>
+            <p:cNvPr id="18" name="tx18"/>
             <p:cNvSpPr/>
             <p:nvPr/>
           </p:nvSpPr>
           <p:spPr>
             <a:xfrm>
-              <a:off x="3532908" y="5532866"/>
+              <a:off x="4439384" y="5532866"/>
               <a:ext cx="176876" cy="90884"/>
             </a:xfrm>
             <a:prstGeom prst="rect">
@@ -3172,13 +3430,13 @@
         </p:sp>
         <p:sp>
           <p:nvSpPr>
-            <p:cNvPr id="13" name="tx13"/>
+            <p:cNvPr id="19" name="tx19"/>
             <p:cNvSpPr/>
             <p:nvPr/>
           </p:nvSpPr>
           <p:spPr>
             <a:xfrm>
-              <a:off x="4283681" y="5532866"/>
+              <a:off x="4981109" y="5532866"/>
               <a:ext cx="176876" cy="90884"/>
             </a:xfrm>
             <a:prstGeom prst="rect">
@@ -3218,13 +3476,13 @@
         </p:sp>
         <p:sp>
           <p:nvSpPr>
-            <p:cNvPr id="14" name="tx14"/>
+            <p:cNvPr id="20" name="tx20"/>
             <p:cNvSpPr/>
             <p:nvPr/>
           </p:nvSpPr>
           <p:spPr>
             <a:xfrm>
-              <a:off x="5034455" y="5532866"/>
+              <a:off x="5522833" y="5532866"/>
               <a:ext cx="176876" cy="90884"/>
             </a:xfrm>
             <a:prstGeom prst="rect">
@@ -3264,21 +3522,21 @@
         </p:sp>
         <p:sp>
           <p:nvSpPr>
-            <p:cNvPr id="15" name="pl15"/>
+            <p:cNvPr id="21" name="pl21"/>
             <p:cNvSpPr/>
             <p:nvPr/>
           </p:nvSpPr>
           <p:spPr>
             <a:xfrm>
-              <a:off x="1525523" y="2686705"/>
-              <a:ext cx="0" cy="2330223"/>
+              <a:off x="1525523" y="2784767"/>
+              <a:ext cx="0" cy="2148205"/>
             </a:xfrm>
             <a:custGeom>
               <a:avLst/>
               <a:pathLst>
-                <a:path w="0" h="2330223">
+                <a:path w="0" h="2148205">
                   <a:moveTo>
-                    <a:pt x="0" y="2330223"/>
+                    <a:pt x="0" y="2148205"/>
                   </a:moveTo>
                   <a:lnTo>
                     <a:pt x="0" y="0"/>
@@ -3304,13 +3562,13 @@
         </p:sp>
         <p:sp>
           <p:nvSpPr>
-            <p:cNvPr id="16" name="pl16"/>
+            <p:cNvPr id="22" name="pl22"/>
             <p:cNvSpPr/>
             <p:nvPr/>
           </p:nvSpPr>
           <p:spPr>
             <a:xfrm>
-              <a:off x="1441704" y="5016928"/>
+              <a:off x="1441704" y="4932973"/>
               <a:ext cx="83819" cy="0"/>
             </a:xfrm>
             <a:custGeom>
@@ -3344,13 +3602,13 @@
         </p:sp>
         <p:sp>
           <p:nvSpPr>
-            <p:cNvPr id="17" name="pl17"/>
+            <p:cNvPr id="23" name="pl23"/>
             <p:cNvSpPr/>
             <p:nvPr/>
           </p:nvSpPr>
           <p:spPr>
             <a:xfrm>
-              <a:off x="1441704" y="4550883"/>
+              <a:off x="1441704" y="4503332"/>
               <a:ext cx="83819" cy="0"/>
             </a:xfrm>
             <a:custGeom>
@@ -3384,13 +3642,13 @@
         </p:sp>
         <p:sp>
           <p:nvSpPr>
-            <p:cNvPr id="18" name="pl18"/>
+            <p:cNvPr id="24" name="pl24"/>
             <p:cNvSpPr/>
             <p:nvPr/>
           </p:nvSpPr>
           <p:spPr>
             <a:xfrm>
-              <a:off x="1441704" y="4084838"/>
+              <a:off x="1441704" y="4073691"/>
               <a:ext cx="83819" cy="0"/>
             </a:xfrm>
             <a:custGeom>
@@ -3424,13 +3682,13 @@
         </p:sp>
         <p:sp>
           <p:nvSpPr>
-            <p:cNvPr id="19" name="pl19"/>
+            <p:cNvPr id="25" name="pl25"/>
             <p:cNvSpPr/>
             <p:nvPr/>
           </p:nvSpPr>
           <p:spPr>
             <a:xfrm>
-              <a:off x="1441704" y="3618794"/>
+              <a:off x="1441704" y="3644050"/>
               <a:ext cx="83819" cy="0"/>
             </a:xfrm>
             <a:custGeom>
@@ -3464,13 +3722,13 @@
         </p:sp>
         <p:sp>
           <p:nvSpPr>
-            <p:cNvPr id="20" name="pl20"/>
+            <p:cNvPr id="26" name="pl26"/>
             <p:cNvSpPr/>
             <p:nvPr/>
           </p:nvSpPr>
           <p:spPr>
             <a:xfrm>
-              <a:off x="1441704" y="3152749"/>
+              <a:off x="1441704" y="3214408"/>
               <a:ext cx="83819" cy="0"/>
             </a:xfrm>
             <a:custGeom>
@@ -3504,13 +3762,13 @@
         </p:sp>
         <p:sp>
           <p:nvSpPr>
-            <p:cNvPr id="21" name="pl21"/>
+            <p:cNvPr id="27" name="pl27"/>
             <p:cNvSpPr/>
             <p:nvPr/>
           </p:nvSpPr>
           <p:spPr>
             <a:xfrm>
-              <a:off x="1441704" y="2686705"/>
+              <a:off x="1441704" y="2784767"/>
               <a:ext cx="83819" cy="0"/>
             </a:xfrm>
             <a:custGeom>
@@ -3544,151 +3802,13 @@
         </p:sp>
         <p:sp>
           <p:nvSpPr>
-            <p:cNvPr id="22" name="tx22"/>
+            <p:cNvPr id="28" name="tx28"/>
             <p:cNvSpPr/>
             <p:nvPr/>
           </p:nvSpPr>
           <p:spPr>
             <a:xfrm rot="-5400000">
-              <a:off x="1169091" y="4971485"/>
-              <a:ext cx="219645" cy="90884"/>
-            </a:xfrm>
-            <a:prstGeom prst="rect">
-              <a:avLst/>
-            </a:prstGeom>
-            <a:noFill/>
-          </p:spPr>
-          <p:txBody>
-            <a:bodyPr wrap="none" lIns="0" tIns="0" rIns="0" bIns="0" anchor="ctr" anchorCtr="true"/>
-            <a:lstStyle/>
-            <a:p>
-              <a:pPr marL="0" marR="0" indent="0" algn="l">
-                <a:lnSpc>
-                  <a:spcPts val="1100"/>
-                </a:lnSpc>
-                <a:spcBef>
-                  <a:spcPts val="0"/>
-                </a:spcBef>
-                <a:spcAft>
-                  <a:spcPts val="0"/>
-                </a:spcAft>
-              </a:pPr>
-              <a:r>
-                <a:rPr sz="1100">
-                  <a:solidFill>
-                    <a:srgbClr val="000000">
-                      <a:alpha val="100000"/>
-                    </a:srgbClr>
-                  </a:solidFill>
-                  <a:latin typeface="Calibri"/>
-                  <a:cs typeface="Calibri"/>
-                </a:rPr>
-                <a:t>-0.6</a:t>
-              </a:r>
-            </a:p>
-          </p:txBody>
-        </p:sp>
-        <p:sp>
-          <p:nvSpPr>
-            <p:cNvPr id="23" name="tx23"/>
-            <p:cNvSpPr/>
-            <p:nvPr/>
-          </p:nvSpPr>
-          <p:spPr>
-            <a:xfrm rot="-5400000">
-              <a:off x="1169091" y="4505441"/>
-              <a:ext cx="219645" cy="90884"/>
-            </a:xfrm>
-            <a:prstGeom prst="rect">
-              <a:avLst/>
-            </a:prstGeom>
-            <a:noFill/>
-          </p:spPr>
-          <p:txBody>
-            <a:bodyPr wrap="none" lIns="0" tIns="0" rIns="0" bIns="0" anchor="ctr" anchorCtr="true"/>
-            <a:lstStyle/>
-            <a:p>
-              <a:pPr marL="0" marR="0" indent="0" algn="l">
-                <a:lnSpc>
-                  <a:spcPts val="1100"/>
-                </a:lnSpc>
-                <a:spcBef>
-                  <a:spcPts val="0"/>
-                </a:spcBef>
-                <a:spcAft>
-                  <a:spcPts val="0"/>
-                </a:spcAft>
-              </a:pPr>
-              <a:r>
-                <a:rPr sz="1100">
-                  <a:solidFill>
-                    <a:srgbClr val="000000">
-                      <a:alpha val="100000"/>
-                    </a:srgbClr>
-                  </a:solidFill>
-                  <a:latin typeface="Calibri"/>
-                  <a:cs typeface="Calibri"/>
-                </a:rPr>
-                <a:t>-0.4</a:t>
-              </a:r>
-            </a:p>
-          </p:txBody>
-        </p:sp>
-        <p:sp>
-          <p:nvSpPr>
-            <p:cNvPr id="24" name="tx24"/>
-            <p:cNvSpPr/>
-            <p:nvPr/>
-          </p:nvSpPr>
-          <p:spPr>
-            <a:xfrm rot="-5400000">
-              <a:off x="1169091" y="4039396"/>
-              <a:ext cx="219645" cy="90884"/>
-            </a:xfrm>
-            <a:prstGeom prst="rect">
-              <a:avLst/>
-            </a:prstGeom>
-            <a:noFill/>
-          </p:spPr>
-          <p:txBody>
-            <a:bodyPr wrap="none" lIns="0" tIns="0" rIns="0" bIns="0" anchor="ctr" anchorCtr="true"/>
-            <a:lstStyle/>
-            <a:p>
-              <a:pPr marL="0" marR="0" indent="0" algn="l">
-                <a:lnSpc>
-                  <a:spcPts val="1100"/>
-                </a:lnSpc>
-                <a:spcBef>
-                  <a:spcPts val="0"/>
-                </a:spcBef>
-                <a:spcAft>
-                  <a:spcPts val="0"/>
-                </a:spcAft>
-              </a:pPr>
-              <a:r>
-                <a:rPr sz="1100">
-                  <a:solidFill>
-                    <a:srgbClr val="000000">
-                      <a:alpha val="100000"/>
-                    </a:srgbClr>
-                  </a:solidFill>
-                  <a:latin typeface="Calibri"/>
-                  <a:cs typeface="Calibri"/>
-                </a:rPr>
-                <a:t>-0.2</a:t>
-              </a:r>
-            </a:p>
-          </p:txBody>
-        </p:sp>
-        <p:sp>
-          <p:nvSpPr>
-            <p:cNvPr id="25" name="tx25"/>
-            <p:cNvSpPr/>
-            <p:nvPr/>
-          </p:nvSpPr>
-          <p:spPr>
-            <a:xfrm rot="-5400000">
-              <a:off x="1190475" y="3573352"/>
+              <a:off x="1190475" y="4887531"/>
               <a:ext cx="176876" cy="90884"/>
             </a:xfrm>
             <a:prstGeom prst="rect">
@@ -3728,13 +3848,13 @@
         </p:sp>
         <p:sp>
           <p:nvSpPr>
-            <p:cNvPr id="26" name="tx26"/>
+            <p:cNvPr id="29" name="tx29"/>
             <p:cNvSpPr/>
             <p:nvPr/>
           </p:nvSpPr>
           <p:spPr>
             <a:xfrm rot="-5400000">
-              <a:off x="1190475" y="3107307"/>
+              <a:off x="1190475" y="4457890"/>
               <a:ext cx="176876" cy="90884"/>
             </a:xfrm>
             <a:prstGeom prst="rect">
@@ -3774,13 +3894,13 @@
         </p:sp>
         <p:sp>
           <p:nvSpPr>
-            <p:cNvPr id="27" name="tx27"/>
+            <p:cNvPr id="30" name="tx30"/>
             <p:cNvSpPr/>
             <p:nvPr/>
           </p:nvSpPr>
           <p:spPr>
             <a:xfrm rot="-5400000">
-              <a:off x="1190475" y="2641262"/>
+              <a:off x="1190475" y="4028249"/>
               <a:ext cx="176876" cy="90884"/>
             </a:xfrm>
             <a:prstGeom prst="rect">
@@ -3820,7 +3940,145 @@
         </p:sp>
         <p:sp>
           <p:nvSpPr>
-            <p:cNvPr id="28" name="pl28"/>
+            <p:cNvPr id="31" name="tx31"/>
+            <p:cNvSpPr/>
+            <p:nvPr/>
+          </p:nvSpPr>
+          <p:spPr>
+            <a:xfrm rot="-5400000">
+              <a:off x="1190475" y="3598607"/>
+              <a:ext cx="176876" cy="90884"/>
+            </a:xfrm>
+            <a:prstGeom prst="rect">
+              <a:avLst/>
+            </a:prstGeom>
+            <a:noFill/>
+          </p:spPr>
+          <p:txBody>
+            <a:bodyPr wrap="none" lIns="0" tIns="0" rIns="0" bIns="0" anchor="ctr" anchorCtr="true"/>
+            <a:lstStyle/>
+            <a:p>
+              <a:pPr marL="0" marR="0" indent="0" algn="l">
+                <a:lnSpc>
+                  <a:spcPts val="1100"/>
+                </a:lnSpc>
+                <a:spcBef>
+                  <a:spcPts val="0"/>
+                </a:spcBef>
+                <a:spcAft>
+                  <a:spcPts val="0"/>
+                </a:spcAft>
+              </a:pPr>
+              <a:r>
+                <a:rPr sz="1100">
+                  <a:solidFill>
+                    <a:srgbClr val="000000">
+                      <a:alpha val="100000"/>
+                    </a:srgbClr>
+                  </a:solidFill>
+                  <a:latin typeface="Calibri"/>
+                  <a:cs typeface="Calibri"/>
+                </a:rPr>
+                <a:t>0.6</a:t>
+              </a:r>
+            </a:p>
+          </p:txBody>
+        </p:sp>
+        <p:sp>
+          <p:nvSpPr>
+            <p:cNvPr id="32" name="tx32"/>
+            <p:cNvSpPr/>
+            <p:nvPr/>
+          </p:nvSpPr>
+          <p:spPr>
+            <a:xfrm rot="-5400000">
+              <a:off x="1190475" y="3168966"/>
+              <a:ext cx="176876" cy="90884"/>
+            </a:xfrm>
+            <a:prstGeom prst="rect">
+              <a:avLst/>
+            </a:prstGeom>
+            <a:noFill/>
+          </p:spPr>
+          <p:txBody>
+            <a:bodyPr wrap="none" lIns="0" tIns="0" rIns="0" bIns="0" anchor="ctr" anchorCtr="true"/>
+            <a:lstStyle/>
+            <a:p>
+              <a:pPr marL="0" marR="0" indent="0" algn="l">
+                <a:lnSpc>
+                  <a:spcPts val="1100"/>
+                </a:lnSpc>
+                <a:spcBef>
+                  <a:spcPts val="0"/>
+                </a:spcBef>
+                <a:spcAft>
+                  <a:spcPts val="0"/>
+                </a:spcAft>
+              </a:pPr>
+              <a:r>
+                <a:rPr sz="1100">
+                  <a:solidFill>
+                    <a:srgbClr val="000000">
+                      <a:alpha val="100000"/>
+                    </a:srgbClr>
+                  </a:solidFill>
+                  <a:latin typeface="Calibri"/>
+                  <a:cs typeface="Calibri"/>
+                </a:rPr>
+                <a:t>0.8</a:t>
+              </a:r>
+            </a:p>
+          </p:txBody>
+        </p:sp>
+        <p:sp>
+          <p:nvSpPr>
+            <p:cNvPr id="33" name="tx33"/>
+            <p:cNvSpPr/>
+            <p:nvPr/>
+          </p:nvSpPr>
+          <p:spPr>
+            <a:xfrm rot="-5400000">
+              <a:off x="1190475" y="2739325"/>
+              <a:ext cx="176876" cy="90884"/>
+            </a:xfrm>
+            <a:prstGeom prst="rect">
+              <a:avLst/>
+            </a:prstGeom>
+            <a:noFill/>
+          </p:spPr>
+          <p:txBody>
+            <a:bodyPr wrap="none" lIns="0" tIns="0" rIns="0" bIns="0" anchor="ctr" anchorCtr="true"/>
+            <a:lstStyle/>
+            <a:p>
+              <a:pPr marL="0" marR="0" indent="0" algn="l">
+                <a:lnSpc>
+                  <a:spcPts val="1100"/>
+                </a:lnSpc>
+                <a:spcBef>
+                  <a:spcPts val="0"/>
+                </a:spcBef>
+                <a:spcAft>
+                  <a:spcPts val="0"/>
+                </a:spcAft>
+              </a:pPr>
+              <a:r>
+                <a:rPr sz="1100">
+                  <a:solidFill>
+                    <a:srgbClr val="000000">
+                      <a:alpha val="100000"/>
+                    </a:srgbClr>
+                  </a:solidFill>
+                  <a:latin typeface="Calibri"/>
+                  <a:cs typeface="Calibri"/>
+                </a:rPr>
+                <a:t>1.0</a:t>
+              </a:r>
+            </a:p>
+          </p:txBody>
+        </p:sp>
+        <p:sp>
+          <p:nvSpPr>
+            <p:cNvPr id="34" name="pl34"/>
             <p:cNvSpPr/>
             <p:nvPr/>
           </p:nvSpPr>
@@ -3869,7 +4127,7 @@
         </p:sp>
         <p:sp>
           <p:nvSpPr>
-            <p:cNvPr id="29" name="tx29"/>
+            <p:cNvPr id="35" name="tx35"/>
             <p:cNvSpPr/>
             <p:nvPr/>
           </p:nvSpPr>
@@ -3908,14 +4166,14 @@
                   <a:latin typeface="Calibri"/>
                   <a:cs typeface="Calibri"/>
                 </a:rPr>
-                <a:t>PC1 (16%)</a:t>
+                <a:t>PC1 (19%)</a:t>
               </a:r>
             </a:p>
           </p:txBody>
         </p:sp>
         <p:sp>
           <p:nvSpPr>
-            <p:cNvPr id="30" name="tx30"/>
+            <p:cNvPr id="36" name="tx36"/>
             <p:cNvSpPr/>
             <p:nvPr/>
           </p:nvSpPr>
@@ -3954,66 +4212,20 @@
                   <a:latin typeface="Calibri"/>
                   <a:cs typeface="Calibri"/>
                 </a:rPr>
-                <a:t>PC2 (11%)</a:t>
+                <a:t>PC2 (12%)</a:t>
               </a:r>
             </a:p>
           </p:txBody>
         </p:sp>
         <p:sp>
           <p:nvSpPr>
-            <p:cNvPr id="31" name="tx31"/>
+            <p:cNvPr id="37" name="tx37"/>
             <p:cNvSpPr/>
             <p:nvPr/>
           </p:nvSpPr>
           <p:spPr>
             <a:xfrm>
-              <a:off x="2090666" y="2686411"/>
-              <a:ext cx="252933" cy="90884"/>
-            </a:xfrm>
-            <a:prstGeom prst="rect">
-              <a:avLst/>
-            </a:prstGeom>
-            <a:noFill/>
-          </p:spPr>
-          <p:txBody>
-            <a:bodyPr wrap="none" lIns="0" tIns="0" rIns="0" bIns="0" anchor="ctr" anchorCtr="true"/>
-            <a:lstStyle/>
-            <a:p>
-              <a:pPr marL="0" marR="0" indent="0" algn="l">
-                <a:lnSpc>
-                  <a:spcPts val="1100"/>
-                </a:lnSpc>
-                <a:spcBef>
-                  <a:spcPts val="0"/>
-                </a:spcBef>
-                <a:spcAft>
-                  <a:spcPts val="0"/>
-                </a:spcAft>
-              </a:pPr>
-              <a:r>
-                <a:rPr sz="1100">
-                  <a:solidFill>
-                    <a:srgbClr val="595959">
-                      <a:alpha val="100000"/>
-                    </a:srgbClr>
-                  </a:solidFill>
-                  <a:latin typeface="Calibri"/>
-                  <a:cs typeface="Calibri"/>
-                </a:rPr>
-                <a:t>DOC</a:t>
-              </a:r>
-            </a:p>
-          </p:txBody>
-        </p:sp>
-        <p:sp>
-          <p:nvSpPr>
-            <p:cNvPr id="32" name="tx32"/>
-            <p:cNvSpPr/>
-            <p:nvPr/>
-          </p:nvSpPr>
-          <p:spPr>
-            <a:xfrm>
-              <a:off x="1445114" y="3651331"/>
+              <a:off x="5033253" y="5107319"/>
               <a:ext cx="684311" cy="119856"/>
             </a:xfrm>
             <a:prstGeom prst="rect">
@@ -4053,13 +4265,13 @@
         </p:sp>
         <p:sp>
           <p:nvSpPr>
-            <p:cNvPr id="33" name="tx33"/>
+            <p:cNvPr id="38" name="tx38"/>
             <p:cNvSpPr/>
             <p:nvPr/>
           </p:nvSpPr>
           <p:spPr>
             <a:xfrm>
-              <a:off x="4915743" y="2623328"/>
+              <a:off x="1530427" y="4789271"/>
               <a:ext cx="716508" cy="119856"/>
             </a:xfrm>
             <a:prstGeom prst="rect">
@@ -4099,13 +4311,13 @@
         </p:sp>
         <p:sp>
           <p:nvSpPr>
-            <p:cNvPr id="34" name="tx34"/>
+            <p:cNvPr id="39" name="tx39"/>
             <p:cNvSpPr/>
             <p:nvPr/>
           </p:nvSpPr>
           <p:spPr>
             <a:xfrm>
-              <a:off x="1800030" y="3755375"/>
+              <a:off x="3827076" y="4841027"/>
               <a:ext cx="418554" cy="115292"/>
             </a:xfrm>
             <a:prstGeom prst="rect">
@@ -4145,13 +4357,13 @@
         </p:sp>
         <p:sp>
           <p:nvSpPr>
-            <p:cNvPr id="35" name="tx35"/>
+            <p:cNvPr id="40" name="tx40"/>
             <p:cNvSpPr/>
             <p:nvPr/>
           </p:nvSpPr>
           <p:spPr>
             <a:xfrm>
-              <a:off x="4308620" y="4379496"/>
+              <a:off x="3518278" y="4750753"/>
               <a:ext cx="520123" cy="115292"/>
             </a:xfrm>
             <a:prstGeom prst="rect">
@@ -4191,13 +4403,13 @@
         </p:sp>
         <p:sp>
           <p:nvSpPr>
-            <p:cNvPr id="36" name="tx36"/>
+            <p:cNvPr id="41" name="tx41"/>
             <p:cNvSpPr/>
             <p:nvPr/>
           </p:nvSpPr>
           <p:spPr>
             <a:xfrm>
-              <a:off x="4021125" y="4009892"/>
+              <a:off x="3338233" y="4817253"/>
               <a:ext cx="687313" cy="96440"/>
             </a:xfrm>
             <a:prstGeom prst="rect">
@@ -4237,13 +4449,13 @@
         </p:sp>
         <p:sp>
           <p:nvSpPr>
-            <p:cNvPr id="37" name="tx37"/>
+            <p:cNvPr id="42" name="tx42"/>
             <p:cNvSpPr/>
             <p:nvPr/>
           </p:nvSpPr>
           <p:spPr>
             <a:xfrm>
-              <a:off x="2698084" y="3457969"/>
+              <a:off x="3839137" y="4681926"/>
               <a:ext cx="291064" cy="96440"/>
             </a:xfrm>
             <a:prstGeom prst="rect">
@@ -4283,13 +4495,13 @@
         </p:sp>
         <p:sp>
           <p:nvSpPr>
-            <p:cNvPr id="38" name="tx38"/>
+            <p:cNvPr id="43" name="tx43"/>
             <p:cNvSpPr/>
             <p:nvPr/>
           </p:nvSpPr>
           <p:spPr>
             <a:xfrm>
-              <a:off x="1751548" y="4384695"/>
+              <a:off x="4631947" y="4610936"/>
               <a:ext cx="550000" cy="119856"/>
             </a:xfrm>
             <a:prstGeom prst="rect">
@@ -4329,13 +4541,13 @@
         </p:sp>
         <p:sp>
           <p:nvSpPr>
-            <p:cNvPr id="39" name="tx39"/>
+            <p:cNvPr id="44" name="tx44"/>
             <p:cNvSpPr/>
             <p:nvPr/>
           </p:nvSpPr>
           <p:spPr>
             <a:xfrm>
-              <a:off x="3002097" y="5022972"/>
+              <a:off x="3884115" y="2777922"/>
               <a:ext cx="494407" cy="96440"/>
             </a:xfrm>
             <a:prstGeom prst="rect">
@@ -4375,21 +4587,104 @@
         </p:sp>
         <p:sp>
           <p:nvSpPr>
-            <p:cNvPr id="40" name="pl40"/>
+            <p:cNvPr id="45" name="pl45"/>
             <p:cNvSpPr/>
             <p:nvPr/>
           </p:nvSpPr>
           <p:spPr>
             <a:xfrm>
-              <a:off x="2315149" y="2866075"/>
-              <a:ext cx="555422" cy="752719"/>
+              <a:off x="3986098" y="4932973"/>
+              <a:ext cx="1180913" cy="220216"/>
             </a:xfrm>
             <a:custGeom>
               <a:avLst/>
               <a:pathLst>
-                <a:path w="555422" h="752719">
+                <a:path w="1180913" h="220216">
                   <a:moveTo>
-                    <a:pt x="555422" y="752719"/>
+                    <a:pt x="0" y="0"/>
+                  </a:moveTo>
+                  <a:lnTo>
+                    <a:pt x="1180913" y="220216"/>
+                  </a:lnTo>
+                </a:path>
+              </a:pathLst>
+            </a:custGeom>
+            <a:ln w="9525" cap="rnd">
+              <a:solidFill>
+                <a:srgbClr val="000000">
+                  <a:alpha val="100000"/>
+                </a:srgbClr>
+              </a:solidFill>
+              <a:prstDash val="solid"/>
+              <a:round/>
+            </a:ln>
+          </p:spPr>
+          <p:txBody>
+            <a:bodyPr/>
+            <a:lstStyle/>
+            <a:p/>
+          </p:txBody>
+        </p:sp>
+        <p:sp>
+          <p:nvSpPr>
+            <p:cNvPr id="46" name="pl46"/>
+            <p:cNvSpPr/>
+            <p:nvPr/>
+          </p:nvSpPr>
+          <p:spPr>
+            <a:xfrm>
+              <a:off x="5106652" y="5111566"/>
+              <a:ext cx="60360" cy="62923"/>
+            </a:xfrm>
+            <a:custGeom>
+              <a:avLst/>
+              <a:pathLst>
+                <a:path w="60360" h="62923">
+                  <a:moveTo>
+                    <a:pt x="0" y="62923"/>
+                  </a:moveTo>
+                  <a:lnTo>
+                    <a:pt x="60360" y="41623"/>
+                  </a:lnTo>
+                  <a:lnTo>
+                    <a:pt x="11733" y="0"/>
+                  </a:lnTo>
+                </a:path>
+              </a:pathLst>
+            </a:custGeom>
+            <a:ln w="9525" cap="rnd">
+              <a:solidFill>
+                <a:srgbClr val="000000">
+                  <a:alpha val="100000"/>
+                </a:srgbClr>
+              </a:solidFill>
+              <a:prstDash val="solid"/>
+              <a:round/>
+            </a:ln>
+          </p:spPr>
+          <p:txBody>
+            <a:bodyPr/>
+            <a:lstStyle/>
+            <a:p/>
+          </p:txBody>
+        </p:sp>
+        <p:sp>
+          <p:nvSpPr>
+            <p:cNvPr id="47" name="pl47"/>
+            <p:cNvSpPr/>
+            <p:nvPr/>
+          </p:nvSpPr>
+          <p:spPr>
+            <a:xfrm>
+              <a:off x="2203294" y="4882849"/>
+              <a:ext cx="1782804" cy="50124"/>
+            </a:xfrm>
+            <a:custGeom>
+              <a:avLst/>
+              <a:pathLst>
+                <a:path w="1782804" h="50124">
+                  <a:moveTo>
+                    <a:pt x="1782804" y="50124"/>
                   </a:moveTo>
                   <a:lnTo>
                     <a:pt x="0" y="0"/>
@@ -4415,27 +4710,27 @@
         </p:sp>
         <p:sp>
           <p:nvSpPr>
-            <p:cNvPr id="41" name="pl41"/>
+            <p:cNvPr id="48" name="pl48"/>
             <p:cNvSpPr/>
             <p:nvPr/>
           </p:nvSpPr>
           <p:spPr>
             <a:xfrm>
-              <a:off x="2315149" y="2866075"/>
-              <a:ext cx="58664" cy="63606"/>
+              <a:off x="2203294" y="4852416"/>
+              <a:ext cx="56310" cy="63982"/>
             </a:xfrm>
             <a:custGeom>
               <a:avLst/>
               <a:pathLst>
-                <a:path w="58664" h="63606">
+                <a:path w="56310" h="63982">
                   <a:moveTo>
-                    <a:pt x="58664" y="25601"/>
+                    <a:pt x="56310" y="0"/>
                   </a:moveTo>
                   <a:lnTo>
-                    <a:pt x="0" y="0"/>
+                    <a:pt x="0" y="30433"/>
                   </a:lnTo>
                   <a:lnTo>
-                    <a:pt x="7160" y="63606"/>
+                    <a:pt x="54511" y="63982"/>
                   </a:lnTo>
                 </a:path>
               </a:pathLst>
@@ -4458,24 +4753,24 @@
         </p:sp>
         <p:sp>
           <p:nvSpPr>
-            <p:cNvPr id="42" name="pl42"/>
+            <p:cNvPr id="49" name="pl49"/>
             <p:cNvSpPr/>
             <p:nvPr/>
           </p:nvSpPr>
           <p:spPr>
             <a:xfrm>
-              <a:off x="1949765" y="3618794"/>
-              <a:ext cx="920806" cy="99679"/>
+              <a:off x="3986098" y="4924902"/>
+              <a:ext cx="42716" cy="8070"/>
             </a:xfrm>
             <a:custGeom>
               <a:avLst/>
               <a:pathLst>
-                <a:path w="920806" h="99679">
+                <a:path w="42716" h="8070">
                   <a:moveTo>
-                    <a:pt x="920806" y="0"/>
+                    <a:pt x="0" y="8070"/>
                   </a:moveTo>
                   <a:lnTo>
-                    <a:pt x="0" y="99679"/>
+                    <a:pt x="42716" y="0"/>
                   </a:lnTo>
                 </a:path>
               </a:pathLst>
@@ -4498,107 +4793,24 @@
         </p:sp>
         <p:sp>
           <p:nvSpPr>
-            <p:cNvPr id="43" name="pl43"/>
+            <p:cNvPr id="50" name="pl50"/>
             <p:cNvSpPr/>
             <p:nvPr/>
           </p:nvSpPr>
           <p:spPr>
             <a:xfrm>
-              <a:off x="1949765" y="3680690"/>
-              <a:ext cx="58554" cy="63636"/>
+              <a:off x="3968404" y="4903746"/>
+              <a:ext cx="60410" cy="62895"/>
             </a:xfrm>
             <a:custGeom>
               <a:avLst/>
               <a:pathLst>
-                <a:path w="58554" h="63636">
+                <a:path w="60410" h="62895">
                   <a:moveTo>
-                    <a:pt x="51666" y="0"/>
+                    <a:pt x="11883" y="62895"/>
                   </a:moveTo>
                   <a:lnTo>
-                    <a:pt x="0" y="37783"/>
-                  </a:lnTo>
-                  <a:lnTo>
-                    <a:pt x="58554" y="63636"/>
-                  </a:lnTo>
-                </a:path>
-              </a:pathLst>
-            </a:custGeom>
-            <a:ln w="9525" cap="rnd">
-              <a:solidFill>
-                <a:srgbClr val="000000">
-                  <a:alpha val="100000"/>
-                </a:srgbClr>
-              </a:solidFill>
-              <a:prstDash val="solid"/>
-              <a:round/>
-            </a:ln>
-          </p:spPr>
-          <p:txBody>
-            <a:bodyPr/>
-            <a:lstStyle/>
-            <a:p/>
-          </p:txBody>
-        </p:sp>
-        <p:sp>
-          <p:nvSpPr>
-            <p:cNvPr id="44" name="pl44"/>
-            <p:cNvSpPr/>
-            <p:nvPr/>
-          </p:nvSpPr>
-          <p:spPr>
-            <a:xfrm>
-              <a:off x="2870572" y="2844671"/>
-              <a:ext cx="2042911" cy="774123"/>
-            </a:xfrm>
-            <a:custGeom>
-              <a:avLst/>
-              <a:pathLst>
-                <a:path w="2042911" h="774123">
-                  <a:moveTo>
-                    <a:pt x="0" y="774123"/>
-                  </a:moveTo>
-                  <a:lnTo>
-                    <a:pt x="2042911" y="0"/>
-                  </a:lnTo>
-                </a:path>
-              </a:pathLst>
-            </a:custGeom>
-            <a:ln w="9525" cap="rnd">
-              <a:solidFill>
-                <a:srgbClr val="000000">
-                  <a:alpha val="100000"/>
-                </a:srgbClr>
-              </a:solidFill>
-              <a:prstDash val="solid"/>
-              <a:round/>
-            </a:ln>
-          </p:spPr>
-          <p:txBody>
-            <a:bodyPr/>
-            <a:lstStyle/>
-            <a:p/>
-          </p:txBody>
-        </p:sp>
-        <p:sp>
-          <p:nvSpPr>
-            <p:cNvPr id="45" name="pl45"/>
-            <p:cNvSpPr/>
-            <p:nvPr/>
-          </p:nvSpPr>
-          <p:spPr>
-            <a:xfrm>
-              <a:off x="4850307" y="2834385"/>
-              <a:ext cx="63176" cy="59854"/>
-            </a:xfrm>
-            <a:custGeom>
-              <a:avLst/>
-              <a:pathLst>
-                <a:path w="63176" h="59854">
-                  <a:moveTo>
-                    <a:pt x="22680" y="59854"/>
-                  </a:moveTo>
-                  <a:lnTo>
-                    <a:pt x="63176" y="10285"/>
+                    <a:pt x="60410" y="21156"/>
                   </a:lnTo>
                   <a:lnTo>
                     <a:pt x="0" y="0"/>
@@ -4624,270 +4836,21 @@
         </p:sp>
         <p:sp>
           <p:nvSpPr>
-            <p:cNvPr id="46" name="pl46"/>
+            <p:cNvPr id="51" name="pl51"/>
             <p:cNvSpPr/>
             <p:nvPr/>
           </p:nvSpPr>
           <p:spPr>
             <a:xfrm>
-              <a:off x="2138497" y="3618794"/>
-              <a:ext cx="732075" cy="186177"/>
+              <a:off x="3809503" y="4848169"/>
+              <a:ext cx="176595" cy="84803"/>
             </a:xfrm>
             <a:custGeom>
               <a:avLst/>
               <a:pathLst>
-                <a:path w="732075" h="186177">
+                <a:path w="176595" h="84803">
                   <a:moveTo>
-                    <a:pt x="732075" y="0"/>
-                  </a:moveTo>
-                  <a:lnTo>
-                    <a:pt x="0" y="186177"/>
-                  </a:lnTo>
-                </a:path>
-              </a:pathLst>
-            </a:custGeom>
-            <a:ln w="9525" cap="rnd">
-              <a:solidFill>
-                <a:srgbClr val="000000">
-                  <a:alpha val="100000"/>
-                </a:srgbClr>
-              </a:solidFill>
-              <a:prstDash val="solid"/>
-              <a:round/>
-            </a:ln>
-          </p:spPr>
-          <p:txBody>
-            <a:bodyPr/>
-            <a:lstStyle/>
-            <a:p/>
-          </p:txBody>
-        </p:sp>
-        <p:sp>
-          <p:nvSpPr>
-            <p:cNvPr id="47" name="pl47"/>
-            <p:cNvSpPr/>
-            <p:nvPr/>
-          </p:nvSpPr>
-          <p:spPr>
-            <a:xfrm>
-              <a:off x="2138497" y="3760292"/>
-              <a:ext cx="61610" cy="62033"/>
-            </a:xfrm>
-            <a:custGeom>
-              <a:avLst/>
-              <a:pathLst>
-                <a:path w="61610" h="62033">
-                  <a:moveTo>
-                    <a:pt x="45834" y="0"/>
-                  </a:moveTo>
-                  <a:lnTo>
-                    <a:pt x="0" y="44679"/>
-                  </a:lnTo>
-                  <a:lnTo>
-                    <a:pt x="61610" y="62033"/>
-                  </a:lnTo>
-                </a:path>
-              </a:pathLst>
-            </a:custGeom>
-            <a:ln w="9525" cap="rnd">
-              <a:solidFill>
-                <a:srgbClr val="000000">
-                  <a:alpha val="100000"/>
-                </a:srgbClr>
-              </a:solidFill>
-              <a:prstDash val="solid"/>
-              <a:round/>
-            </a:ln>
-          </p:spPr>
-          <p:txBody>
-            <a:bodyPr/>
-            <a:lstStyle/>
-            <a:p/>
-          </p:txBody>
-        </p:sp>
-        <p:sp>
-          <p:nvSpPr>
-            <p:cNvPr id="48" name="pl48"/>
-            <p:cNvSpPr/>
-            <p:nvPr/>
-          </p:nvSpPr>
-          <p:spPr>
-            <a:xfrm>
-              <a:off x="2870572" y="3618794"/>
-              <a:ext cx="1443393" cy="716680"/>
-            </a:xfrm>
-            <a:custGeom>
-              <a:avLst/>
-              <a:pathLst>
-                <a:path w="1443393" h="716680">
-                  <a:moveTo>
-                    <a:pt x="0" y="0"/>
-                  </a:moveTo>
-                  <a:lnTo>
-                    <a:pt x="1443393" y="716680"/>
-                  </a:lnTo>
-                </a:path>
-              </a:pathLst>
-            </a:custGeom>
-            <a:ln w="9525" cap="rnd">
-              <a:solidFill>
-                <a:srgbClr val="000000">
-                  <a:alpha val="100000"/>
-                </a:srgbClr>
-              </a:solidFill>
-              <a:prstDash val="solid"/>
-              <a:round/>
-            </a:ln>
-          </p:spPr>
-          <p:txBody>
-            <a:bodyPr/>
-            <a:lstStyle/>
-            <a:p/>
-          </p:txBody>
-        </p:sp>
-        <p:sp>
-          <p:nvSpPr>
-            <p:cNvPr id="49" name="pl49"/>
-            <p:cNvSpPr/>
-            <p:nvPr/>
-          </p:nvSpPr>
-          <p:spPr>
-            <a:xfrm>
-              <a:off x="4250083" y="4282157"/>
-              <a:ext cx="63882" cy="57329"/>
-            </a:xfrm>
-            <a:custGeom>
-              <a:avLst/>
-              <a:pathLst>
-                <a:path w="63882" h="57329">
-                  <a:moveTo>
-                    <a:pt x="0" y="57329"/>
-                  </a:moveTo>
-                  <a:lnTo>
-                    <a:pt x="63882" y="53317"/>
-                  </a:lnTo>
-                  <a:lnTo>
-                    <a:pt x="28465" y="0"/>
-                  </a:lnTo>
-                </a:path>
-              </a:pathLst>
-            </a:custGeom>
-            <a:ln w="9525" cap="rnd">
-              <a:solidFill>
-                <a:srgbClr val="000000">
-                  <a:alpha val="100000"/>
-                </a:srgbClr>
-              </a:solidFill>
-              <a:prstDash val="solid"/>
-              <a:round/>
-            </a:ln>
-          </p:spPr>
-          <p:txBody>
-            <a:bodyPr/>
-            <a:lstStyle/>
-            <a:p/>
-          </p:txBody>
-        </p:sp>
-        <p:sp>
-          <p:nvSpPr>
-            <p:cNvPr id="50" name="pl50"/>
-            <p:cNvSpPr/>
-            <p:nvPr/>
-          </p:nvSpPr>
-          <p:spPr>
-            <a:xfrm>
-              <a:off x="2870572" y="3618794"/>
-              <a:ext cx="1270078" cy="374601"/>
-            </a:xfrm>
-            <a:custGeom>
-              <a:avLst/>
-              <a:pathLst>
-                <a:path w="1270078" h="374601">
-                  <a:moveTo>
-                    <a:pt x="0" y="0"/>
-                  </a:moveTo>
-                  <a:lnTo>
-                    <a:pt x="1270078" y="374601"/>
-                  </a:lnTo>
-                </a:path>
-              </a:pathLst>
-            </a:custGeom>
-            <a:ln w="9525" cap="rnd">
-              <a:solidFill>
-                <a:srgbClr val="000000">
-                  <a:alpha val="100000"/>
-                </a:srgbClr>
-              </a:solidFill>
-              <a:prstDash val="solid"/>
-              <a:round/>
-            </a:ln>
-          </p:spPr>
-          <p:txBody>
-            <a:bodyPr/>
-            <a:lstStyle/>
-            <a:p/>
-          </p:txBody>
-        </p:sp>
-        <p:sp>
-          <p:nvSpPr>
-            <p:cNvPr id="51" name="pl51"/>
-            <p:cNvSpPr/>
-            <p:nvPr/>
-          </p:nvSpPr>
-          <p:spPr>
-            <a:xfrm>
-              <a:off x="4078428" y="3947017"/>
-              <a:ext cx="62221" cy="61393"/>
-            </a:xfrm>
-            <a:custGeom>
-              <a:avLst/>
-              <a:pathLst>
-                <a:path w="62221" h="61393">
-                  <a:moveTo>
-                    <a:pt x="0" y="61393"/>
-                  </a:moveTo>
-                  <a:lnTo>
-                    <a:pt x="62221" y="46378"/>
-                  </a:lnTo>
-                  <a:lnTo>
-                    <a:pt x="18107" y="0"/>
-                  </a:lnTo>
-                </a:path>
-              </a:pathLst>
-            </a:custGeom>
-            <a:ln w="9525" cap="rnd">
-              <a:solidFill>
-                <a:srgbClr val="000000">
-                  <a:alpha val="100000"/>
-                </a:srgbClr>
-              </a:solidFill>
-              <a:prstDash val="solid"/>
-              <a:round/>
-            </a:ln>
-          </p:spPr>
-          <p:txBody>
-            <a:bodyPr/>
-            <a:lstStyle/>
-            <a:p/>
-          </p:txBody>
-        </p:sp>
-        <p:sp>
-          <p:nvSpPr>
-            <p:cNvPr id="52" name="pl52"/>
-            <p:cNvSpPr/>
-            <p:nvPr/>
-          </p:nvSpPr>
-          <p:spPr>
-            <a:xfrm>
-              <a:off x="2847659" y="3524260"/>
-              <a:ext cx="22912" cy="94533"/>
-            </a:xfrm>
-            <a:custGeom>
-              <a:avLst/>
-              <a:pathLst>
-                <a:path w="22912" h="94533">
-                  <a:moveTo>
-                    <a:pt x="22912" y="94533"/>
+                    <a:pt x="176595" y="84803"/>
                   </a:moveTo>
                   <a:lnTo>
                     <a:pt x="0" y="0"/>
@@ -4913,27 +4876,27 @@
         </p:sp>
         <p:sp>
           <p:nvSpPr>
-            <p:cNvPr id="53" name="pl53"/>
+            <p:cNvPr id="52" name="pl52"/>
             <p:cNvSpPr/>
             <p:nvPr/>
           </p:nvSpPr>
           <p:spPr>
             <a:xfrm>
-              <a:off x="2829613" y="3524260"/>
-              <a:ext cx="62206" cy="61411"/>
+              <a:off x="3809503" y="4843316"/>
+              <a:ext cx="63823" cy="57699"/>
             </a:xfrm>
             <a:custGeom>
               <a:avLst/>
               <a:pathLst>
-                <a:path w="62206" h="61411">
+                <a:path w="63823" h="57699">
                   <a:moveTo>
-                    <a:pt x="62206" y="46334"/>
+                    <a:pt x="63823" y="0"/>
                   </a:moveTo>
                   <a:lnTo>
-                    <a:pt x="18045" y="0"/>
+                    <a:pt x="0" y="4853"/>
                   </a:lnTo>
                   <a:lnTo>
-                    <a:pt x="0" y="61411"/>
+                    <a:pt x="36115" y="57699"/>
                   </a:lnTo>
                 </a:path>
               </a:pathLst>
@@ -4956,24 +4919,24 @@
         </p:sp>
         <p:sp>
           <p:nvSpPr>
-            <p:cNvPr id="54" name="pl54"/>
+            <p:cNvPr id="53" name="pl53"/>
             <p:cNvSpPr/>
             <p:nvPr/>
           </p:nvSpPr>
           <p:spPr>
             <a:xfrm>
-              <a:off x="2153152" y="3618794"/>
-              <a:ext cx="717419" cy="723038"/>
+              <a:off x="3727521" y="4876779"/>
+              <a:ext cx="258577" cy="56194"/>
             </a:xfrm>
             <a:custGeom>
               <a:avLst/>
               <a:pathLst>
-                <a:path w="717419" h="723038">
+                <a:path w="258577" h="56194">
                   <a:moveTo>
-                    <a:pt x="717419" y="0"/>
+                    <a:pt x="258577" y="56194"/>
                   </a:moveTo>
                   <a:lnTo>
-                    <a:pt x="0" y="723038"/>
+                    <a:pt x="0" y="0"/>
                   </a:lnTo>
                 </a:path>
               </a:pathLst>
@@ -4996,27 +4959,27 @@
         </p:sp>
         <p:sp>
           <p:nvSpPr>
-            <p:cNvPr id="55" name="pl55"/>
+            <p:cNvPr id="54" name="pl54"/>
             <p:cNvSpPr/>
             <p:nvPr/>
           </p:nvSpPr>
           <p:spPr>
             <a:xfrm>
-              <a:off x="2153152" y="4279942"/>
-              <a:ext cx="61761" cy="61891"/>
+              <a:off x="3727521" y="4857277"/>
+              <a:ext cx="60964" cy="62548"/>
             </a:xfrm>
             <a:custGeom>
               <a:avLst/>
               <a:pathLst>
-                <a:path w="61761" h="61891">
+                <a:path w="60964" h="62548">
                   <a:moveTo>
-                    <a:pt x="16325" y="0"/>
+                    <a:pt x="60964" y="0"/>
                   </a:moveTo>
                   <a:lnTo>
-                    <a:pt x="0" y="61891"/>
+                    <a:pt x="0" y="19502"/>
                   </a:lnTo>
                   <a:lnTo>
-                    <a:pt x="61761" y="45083"/>
+                    <a:pt x="47371" y="62548"/>
                   </a:lnTo>
                 </a:path>
               </a:pathLst>
@@ -5039,24 +5002,24 @@
         </p:sp>
         <p:sp>
           <p:nvSpPr>
-            <p:cNvPr id="56" name="pl56"/>
+            <p:cNvPr id="55" name="pl55"/>
             <p:cNvSpPr/>
             <p:nvPr/>
           </p:nvSpPr>
           <p:spPr>
             <a:xfrm>
-              <a:off x="2870572" y="3618794"/>
-              <a:ext cx="321919" cy="1235719"/>
+              <a:off x="3984884" y="4761751"/>
+              <a:ext cx="1214" cy="171221"/>
             </a:xfrm>
             <a:custGeom>
               <a:avLst/>
               <a:pathLst>
-                <a:path w="321919" h="1235719">
+                <a:path w="1214" h="171221">
                   <a:moveTo>
-                    <a:pt x="0" y="0"/>
+                    <a:pt x="1214" y="171221"/>
                   </a:moveTo>
                   <a:lnTo>
-                    <a:pt x="321919" y="1235719"/>
+                    <a:pt x="0" y="0"/>
                   </a:lnTo>
                 </a:path>
               </a:pathLst>
@@ -5079,27 +5042,27 @@
         </p:sp>
         <p:sp>
           <p:nvSpPr>
-            <p:cNvPr id="57" name="pl57"/>
+            <p:cNvPr id="56" name="pl56"/>
             <p:cNvSpPr/>
             <p:nvPr/>
           </p:nvSpPr>
           <p:spPr>
             <a:xfrm>
-              <a:off x="3147546" y="4792803"/>
-              <a:ext cx="61940" cy="61710"/>
+              <a:off x="3953274" y="4761751"/>
+              <a:ext cx="64006" cy="55658"/>
             </a:xfrm>
             <a:custGeom>
               <a:avLst/>
               <a:pathLst>
-                <a:path w="61940" h="61710">
+                <a:path w="64006" h="55658">
                   <a:moveTo>
-                    <a:pt x="0" y="16136"/>
+                    <a:pt x="64006" y="55204"/>
                   </a:moveTo>
                   <a:lnTo>
-                    <a:pt x="44944" y="61710"/>
+                    <a:pt x="31609" y="0"/>
                   </a:lnTo>
                   <a:lnTo>
-                    <a:pt x="61940" y="0"/>
+                    <a:pt x="0" y="55658"/>
                   </a:lnTo>
                 </a:path>
               </a:pathLst>
@@ -5122,13 +5085,179 @@
         </p:sp>
         <p:sp>
           <p:nvSpPr>
+            <p:cNvPr id="57" name="pl57"/>
+            <p:cNvSpPr/>
+            <p:nvPr/>
+          </p:nvSpPr>
+          <p:spPr>
+            <a:xfrm>
+              <a:off x="3986098" y="4731264"/>
+              <a:ext cx="782721" cy="201708"/>
+            </a:xfrm>
+            <a:custGeom>
+              <a:avLst/>
+              <a:pathLst>
+                <a:path w="782721" h="201708">
+                  <a:moveTo>
+                    <a:pt x="0" y="201708"/>
+                  </a:moveTo>
+                  <a:lnTo>
+                    <a:pt x="782721" y="0"/>
+                  </a:lnTo>
+                </a:path>
+              </a:pathLst>
+            </a:custGeom>
+            <a:ln w="9525" cap="rnd">
+              <a:solidFill>
+                <a:srgbClr val="000000">
+                  <a:alpha val="100000"/>
+                </a:srgbClr>
+              </a:solidFill>
+              <a:prstDash val="solid"/>
+              <a:round/>
+            </a:ln>
+          </p:spPr>
+          <p:txBody>
+            <a:bodyPr/>
+            <a:lstStyle/>
+            <a:p/>
+          </p:txBody>
+        </p:sp>
+        <p:sp>
+          <p:nvSpPr>
             <p:cNvPr id="58" name="pl58"/>
             <p:cNvSpPr/>
             <p:nvPr/>
           </p:nvSpPr>
           <p:spPr>
             <a:xfrm>
-              <a:off x="1525523" y="3618794"/>
+              <a:off x="4707154" y="4714106"/>
+              <a:ext cx="61665" cy="61982"/>
+            </a:xfrm>
+            <a:custGeom>
+              <a:avLst/>
+              <a:pathLst>
+                <a:path w="61665" h="61982">
+                  <a:moveTo>
+                    <a:pt x="15973" y="61982"/>
+                  </a:moveTo>
+                  <a:lnTo>
+                    <a:pt x="61665" y="17158"/>
+                  </a:lnTo>
+                  <a:lnTo>
+                    <a:pt x="0" y="0"/>
+                  </a:lnTo>
+                </a:path>
+              </a:pathLst>
+            </a:custGeom>
+            <a:ln w="9525" cap="rnd">
+              <a:solidFill>
+                <a:srgbClr val="000000">
+                  <a:alpha val="100000"/>
+                </a:srgbClr>
+              </a:solidFill>
+              <a:prstDash val="solid"/>
+              <a:round/>
+            </a:ln>
+          </p:spPr>
+          <p:txBody>
+            <a:bodyPr/>
+            <a:lstStyle/>
+            <a:p/>
+          </p:txBody>
+        </p:sp>
+        <p:sp>
+          <p:nvSpPr>
+            <p:cNvPr id="59" name="pl59"/>
+            <p:cNvSpPr/>
+            <p:nvPr/>
+          </p:nvSpPr>
+          <p:spPr>
+            <a:xfrm>
+              <a:off x="3986098" y="3143348"/>
+              <a:ext cx="123437" cy="1789625"/>
+            </a:xfrm>
+            <a:custGeom>
+              <a:avLst/>
+              <a:pathLst>
+                <a:path w="123437" h="1789625">
+                  <a:moveTo>
+                    <a:pt x="0" y="1789625"/>
+                  </a:moveTo>
+                  <a:lnTo>
+                    <a:pt x="123437" y="0"/>
+                  </a:lnTo>
+                </a:path>
+              </a:pathLst>
+            </a:custGeom>
+            <a:ln w="9525" cap="rnd">
+              <a:solidFill>
+                <a:srgbClr val="000000">
+                  <a:alpha val="100000"/>
+                </a:srgbClr>
+              </a:solidFill>
+              <a:prstDash val="solid"/>
+              <a:round/>
+            </a:ln>
+          </p:spPr>
+          <p:txBody>
+            <a:bodyPr/>
+            <a:lstStyle/>
+            <a:p/>
+          </p:txBody>
+        </p:sp>
+        <p:sp>
+          <p:nvSpPr>
+            <p:cNvPr id="60" name="pl60"/>
+            <p:cNvSpPr/>
+            <p:nvPr/>
+          </p:nvSpPr>
+          <p:spPr>
+            <a:xfrm>
+              <a:off x="4073793" y="3143348"/>
+              <a:ext cx="63856" cy="57503"/>
+            </a:xfrm>
+            <a:custGeom>
+              <a:avLst/>
+              <a:pathLst>
+                <a:path w="63856" h="57503">
+                  <a:moveTo>
+                    <a:pt x="63856" y="57503"/>
+                  </a:moveTo>
+                  <a:lnTo>
+                    <a:pt x="35742" y="0"/>
+                  </a:lnTo>
+                  <a:lnTo>
+                    <a:pt x="0" y="53098"/>
+                  </a:lnTo>
+                </a:path>
+              </a:pathLst>
+            </a:custGeom>
+            <a:ln w="9525" cap="rnd">
+              <a:solidFill>
+                <a:srgbClr val="000000">
+                  <a:alpha val="100000"/>
+                </a:srgbClr>
+              </a:solidFill>
+              <a:prstDash val="solid"/>
+              <a:round/>
+            </a:ln>
+          </p:spPr>
+          <p:txBody>
+            <a:bodyPr/>
+            <a:lstStyle/>
+            <a:p/>
+          </p:txBody>
+        </p:sp>
+        <p:sp>
+          <p:nvSpPr>
+            <p:cNvPr id="61" name="pl61"/>
+            <p:cNvSpPr/>
+            <p:nvPr/>
+          </p:nvSpPr>
+          <p:spPr>
+            <a:xfrm>
+              <a:off x="1525524" y="4932973"/>
               <a:ext cx="4142232" cy="0"/>
             </a:xfrm>
             <a:custGeom>
@@ -5138,9 +5267,6 @@
                   <a:moveTo>
                     <a:pt x="0" y="0"/>
                   </a:moveTo>
-                  <a:lnTo>
-                    <a:pt x="4142232" y="0"/>
-                  </a:lnTo>
                   <a:lnTo>
                     <a:pt x="4142232" y="0"/>
                   </a:lnTo>
@@ -5165,13 +5291,13 @@
         </p:sp>
         <p:sp>
           <p:nvSpPr>
-            <p:cNvPr id="59" name="pl59"/>
+            <p:cNvPr id="62" name="pl62"/>
             <p:cNvSpPr/>
             <p:nvPr/>
           </p:nvSpPr>
           <p:spPr>
             <a:xfrm>
-              <a:off x="2870572" y="2512949"/>
+              <a:off x="3986098" y="2512949"/>
               <a:ext cx="0" cy="2809050"/>
             </a:xfrm>
             <a:custGeom>
